--- a/Final project presentation.pptx
+++ b/Final project presentation.pptx
@@ -12451,7 +12451,7 @@
         <p:spPr>
           <a:xfrm>
             <a:off x="2043112" y="3617745"/>
-            <a:ext cx="6103398" cy="2031325"/>
+            <a:ext cx="6103398" cy="2862322"/>
           </a:xfrm>
           <a:prstGeom prst="rect">
             <a:avLst/>
@@ -12539,7 +12539,61 @@
                 </a:solidFill>
                 <a:cs typeface="Segoe UI" panose="020B0502040204020203" pitchFamily="34" charset="0"/>
               </a:rPr>
+              <a:t>Scaling</a:t>
+            </a:r>
+          </a:p>
+          <a:p>
+            <a:pPr marL="342900" indent="-342900">
+              <a:buFont typeface="Arial" panose="020B0604020202020204" pitchFamily="34" charset="0"/>
+              <a:buChar char="•"/>
+            </a:pPr>
+            <a:r>
+              <a:rPr lang="en-US" b="1" dirty="0">
+                <a:solidFill>
+                  <a:schemeClr val="tx1">
+                    <a:lumMod val="75000"/>
+                    <a:lumOff val="25000"/>
+                  </a:schemeClr>
+                </a:solidFill>
+                <a:cs typeface="Segoe UI" panose="020B0502040204020203" pitchFamily="34" charset="0"/>
+              </a:rPr>
+              <a:t>Encoding</a:t>
+            </a:r>
+          </a:p>
+          <a:p>
+            <a:pPr marL="342900" indent="-342900">
+              <a:buFont typeface="Arial" panose="020B0604020202020204" pitchFamily="34" charset="0"/>
+              <a:buChar char="•"/>
+            </a:pPr>
+            <a:r>
+              <a:rPr lang="en-US" b="1" dirty="0">
+                <a:solidFill>
+                  <a:schemeClr val="tx1">
+                    <a:lumMod val="75000"/>
+                    <a:lumOff val="25000"/>
+                  </a:schemeClr>
+                </a:solidFill>
+                <a:cs typeface="Segoe UI" panose="020B0502040204020203" pitchFamily="34" charset="0"/>
+              </a:rPr>
               <a:t>Fit &amp; Predict</a:t>
+            </a:r>
+          </a:p>
+          <a:p>
+            <a:pPr marL="342900" indent="-342900">
+              <a:buFont typeface="Arial" panose="020B0604020202020204" pitchFamily="34" charset="0"/>
+              <a:buChar char="•"/>
+            </a:pPr>
+            <a:r>
+              <a:rPr lang="en-US" b="1" dirty="0">
+                <a:solidFill>
+                  <a:schemeClr val="tx1">
+                    <a:lumMod val="75000"/>
+                    <a:lumOff val="25000"/>
+                  </a:schemeClr>
+                </a:solidFill>
+                <a:cs typeface="Segoe UI" panose="020B0502040204020203" pitchFamily="34" charset="0"/>
+              </a:rPr>
+              <a:t>PCA</a:t>
             </a:r>
           </a:p>
           <a:p>
@@ -35086,23 +35140,6 @@
 </file>
 
 <file path=customXml/item1.xml><?xml version="1.0" encoding="utf-8"?>
-<p:properties xmlns:p="http://schemas.microsoft.com/office/2006/metadata/properties" xmlns:xsi="http://www.w3.org/2001/XMLSchema-instance" xmlns:pc="http://schemas.microsoft.com/office/infopath/2007/PartnerControls">
-  <documentManagement>
-    <MediaServiceKeyPoints xmlns="71af3243-3dd4-4a8d-8c0d-dd76da1f02a5" xsi:nil="true"/>
-  </documentManagement>
-</p:properties>
-</file>
-
-<file path=customXml/item2.xml><?xml version="1.0" encoding="utf-8"?>
-<?mso-contentType ?>
-<FormTemplates xmlns="http://schemas.microsoft.com/sharepoint/v3/contenttype/forms">
-  <Display>DocumentLibraryForm</Display>
-  <Edit>DocumentLibraryForm</Edit>
-  <New>DocumentLibraryForm</New>
-</FormTemplates>
-</file>
-
-<file path=customXml/item3.xml><?xml version="1.0" encoding="utf-8"?>
 <ct:contentTypeSchema xmlns:ct="http://schemas.microsoft.com/office/2006/metadata/contentType" xmlns:ma="http://schemas.microsoft.com/office/2006/metadata/properties/metaAttributes" ct:_="" ma:_="" ma:contentTypeName="Document" ma:contentTypeID="0x01010079F111ED35F8CC479449609E8A0923A6" ma:contentTypeVersion="11" ma:contentTypeDescription="Create a new document." ma:contentTypeScope="" ma:versionID="9677210f24a1be23c92c90fd886aa0aa">
   <xsd:schema xmlns:xsd="http://www.w3.org/2001/XMLSchema" xmlns:xs="http://www.w3.org/2001/XMLSchema" xmlns:p="http://schemas.microsoft.com/office/2006/metadata/properties" xmlns:ns2="71af3243-3dd4-4a8d-8c0d-dd76da1f02a5" xmlns:ns3="16c05727-aa75-4e4a-9b5f-8a80a1165891" targetNamespace="http://schemas.microsoft.com/office/2006/metadata/properties" ma:root="true" ma:fieldsID="60e05723c5c1908df1a1a4ebf11d344e" ns2:_="" ns3:_="">
     <xsd:import namespace="71af3243-3dd4-4a8d-8c0d-dd76da1f02a5"/>
@@ -35313,25 +35350,24 @@
 </ct:contentTypeSchema>
 </file>
 
-<file path=customXml/itemProps1.xml><?xml version="1.0" encoding="utf-8"?>
-<ds:datastoreItem xmlns:ds="http://schemas.openxmlformats.org/officeDocument/2006/customXml" ds:itemID="{EF609EDA-869E-4BE5-AE5D-B898C584B6FF}">
-  <ds:schemaRefs>
-    <ds:schemaRef ds:uri="http://schemas.microsoft.com/office/2006/metadata/properties"/>
-    <ds:schemaRef ds:uri="http://schemas.microsoft.com/office/infopath/2007/PartnerControls"/>
-    <ds:schemaRef ds:uri="71af3243-3dd4-4a8d-8c0d-dd76da1f02a5"/>
-  </ds:schemaRefs>
-</ds:datastoreItem>
+<file path=customXml/item2.xml><?xml version="1.0" encoding="utf-8"?>
+<?mso-contentType ?>
+<FormTemplates xmlns="http://schemas.microsoft.com/sharepoint/v3/contenttype/forms">
+  <Display>DocumentLibraryForm</Display>
+  <Edit>DocumentLibraryForm</Edit>
+  <New>DocumentLibraryForm</New>
+</FormTemplates>
 </file>
 
-<file path=customXml/itemProps2.xml><?xml version="1.0" encoding="utf-8"?>
-<ds:datastoreItem xmlns:ds="http://schemas.openxmlformats.org/officeDocument/2006/customXml" ds:itemID="{2FD05317-60D6-4B3A-8545-888496D1A8EC}">
-  <ds:schemaRefs>
-    <ds:schemaRef ds:uri="http://schemas.microsoft.com/sharepoint/v3/contenttype/forms"/>
-  </ds:schemaRefs>
-</ds:datastoreItem>
+<file path=customXml/item3.xml><?xml version="1.0" encoding="utf-8"?>
+<p:properties xmlns:p="http://schemas.microsoft.com/office/2006/metadata/properties" xmlns:xsi="http://www.w3.org/2001/XMLSchema-instance" xmlns:pc="http://schemas.microsoft.com/office/infopath/2007/PartnerControls">
+  <documentManagement>
+    <MediaServiceKeyPoints xmlns="71af3243-3dd4-4a8d-8c0d-dd76da1f02a5" xsi:nil="true"/>
+  </documentManagement>
+</p:properties>
 </file>
 
-<file path=customXml/itemProps3.xml><?xml version="1.0" encoding="utf-8"?>
+<file path=customXml/itemProps1.xml><?xml version="1.0" encoding="utf-8"?>
 <ds:datastoreItem xmlns:ds="http://schemas.openxmlformats.org/officeDocument/2006/customXml" ds:itemID="{61A00BBF-EEBB-4E18-B8CB-F926EAAC48F7}">
   <ds:schemaRefs>
     <ds:schemaRef ds:uri="http://schemas.microsoft.com/office/2006/metadata/contentType"/>
@@ -35348,4 +35384,22 @@
     <ds:schemaRef ds:uri="http://schemas.microsoft.com/internal/obd"/>
   </ds:schemaRefs>
 </ds:datastoreItem>
+</file>
+
+<file path=customXml/itemProps2.xml><?xml version="1.0" encoding="utf-8"?>
+<ds:datastoreItem xmlns:ds="http://schemas.openxmlformats.org/officeDocument/2006/customXml" ds:itemID="{2FD05317-60D6-4B3A-8545-888496D1A8EC}">
+  <ds:schemaRefs>
+    <ds:schemaRef ds:uri="http://schemas.microsoft.com/sharepoint/v3/contenttype/forms"/>
+  </ds:schemaRefs>
+</ds:datastoreItem>
+</file>
+
+<file path=customXml/itemProps3.xml><?xml version="1.0" encoding="utf-8"?>
+<ds:datastoreItem xmlns:ds="http://schemas.openxmlformats.org/officeDocument/2006/customXml" ds:itemID="{EF609EDA-869E-4BE5-AE5D-B898C584B6FF}">
+  <ds:schemaRefs>
+    <ds:schemaRef ds:uri="http://schemas.microsoft.com/office/2006/metadata/properties"/>
+    <ds:schemaRef ds:uri="http://schemas.microsoft.com/office/infopath/2007/PartnerControls"/>
+    <ds:schemaRef ds:uri="71af3243-3dd4-4a8d-8c0d-dd76da1f02a5"/>
+  </ds:schemaRefs>
+</ds:datastoreItem>
 </file>